--- a/Doc/PHD_Papers/Thesis Proposal/开题V1.pptx
+++ b/Doc/PHD_Papers/Thesis Proposal/开题V1.pptx
@@ -39053,7 +39053,7 @@
                 </a:solidFill>
                 <a:cs typeface="+mn-cs"/>
               </a:rPr>
-              <a:t>在无线区块链系统，当节点通信网络拓扑动态变化且节点计算资源和网络通信资源有限时，快速高效地让相互独立的节点在分布式、不可信的环境中对系统的操作顺序和数据安全地达成共识。</a:t>
+              <a:t>在无线区块链系统中，当节点通信网络拓扑动态变化、节点具有高移动性且节点计算资源和网络通信资源有限时，快速高效地让相互独立的节点在分布式、不可信的环境中对系统的操作顺序和数据安全地达成共识。</a:t>
             </a:r>
             <a:endParaRPr lang="en-US" altLang="zh-CN" sz="2800" dirty="0">
               <a:solidFill>
@@ -40393,6 +40393,36 @@
           </a:p>
         </p:txBody>
       </p:sp>
+      <p:pic>
+        <p:nvPicPr>
+          <p:cNvPr id="5" name="图片 4">
+            <a:extLst>
+              <a:ext uri="{FF2B5EF4-FFF2-40B4-BE49-F238E27FC236}">
+                <a16:creationId xmlns:a16="http://schemas.microsoft.com/office/drawing/2014/main" id="{F202F38F-D781-42E0-8C52-ADE2FCA7E8A7}"/>
+              </a:ext>
+            </a:extLst>
+          </p:cNvPr>
+          <p:cNvPicPr>
+            <a:picLocks noChangeAspect="1"/>
+          </p:cNvPicPr>
+          <p:nvPr/>
+        </p:nvPicPr>
+        <p:blipFill>
+          <a:blip r:embed="rId3"/>
+          <a:stretch>
+            <a:fillRect/>
+          </a:stretch>
+        </p:blipFill>
+        <p:spPr>
+          <a:xfrm>
+            <a:off x="4860033" y="2133070"/>
+            <a:ext cx="4184462" cy="3744202"/>
+          </a:xfrm>
+          <a:prstGeom prst="rect">
+            <a:avLst/>
+          </a:prstGeom>
+        </p:spPr>
+      </p:pic>
     </p:spTree>
   </p:cSld>
   <p:clrMapOvr>
